--- a/Documents/Presentation/EBTL - Presentation v1.pptx
+++ b/Documents/Presentation/EBTL - Presentation v1.pptx
@@ -17,6 +17,7 @@
     <p:sldId id="265" r:id="rId11"/>
     <p:sldId id="263" r:id="rId12"/>
     <p:sldId id="262" r:id="rId13"/>
+    <p:sldId id="268" r:id="rId14"/>
   </p:sldIdLst>
   <p:sldSz cx="9144000" cy="6858000" type="screen4x3"/>
   <p:notesSz cx="6858000" cy="9144000"/>
@@ -3557,10 +3558,6 @@
               <a:rPr lang="fr-FR" sz="7200" dirty="0" smtClean="0"/>
               <a:t>Emergency </a:t>
             </a:r>
-            <a:r>
-              <a:rPr lang="fr-FR" sz="7200" dirty="0" smtClean="0"/>
-              <a:t/>
-            </a:r>
             <a:br>
               <a:rPr lang="fr-FR" sz="7200" dirty="0" smtClean="0"/>
             </a:br>
@@ -3619,7 +3616,6 @@
               <a:rPr lang="fr-FR" dirty="0" smtClean="0"/>
               <a:t>Nicolas Gonin</a:t>
             </a:r>
-            <a:endParaRPr lang="fr-FR" dirty="0" smtClean="0"/>
           </a:p>
           <a:p>
             <a:endParaRPr lang="fr-FR" dirty="0"/>
@@ -3960,6 +3956,178 @@
 </p:sld>
 </file>
 
+<file path=ppt/slides/slide13.xml><?xml version="1.0" encoding="utf-8"?>
+<p:sld xmlns:a="http://schemas.openxmlformats.org/drawingml/2006/main" xmlns:r="http://schemas.openxmlformats.org/officeDocument/2006/relationships" xmlns:p="http://schemas.openxmlformats.org/presentationml/2006/main">
+  <p:cSld>
+    <p:spTree>
+      <p:nvGrpSpPr>
+        <p:cNvPr id="1" name=""/>
+        <p:cNvGrpSpPr/>
+        <p:nvPr/>
+      </p:nvGrpSpPr>
+      <p:grpSpPr>
+        <a:xfrm>
+          <a:off x="0" y="0"/>
+          <a:ext cx="0" cy="0"/>
+          <a:chOff x="0" y="0"/>
+          <a:chExt cx="0" cy="0"/>
+        </a:xfrm>
+      </p:grpSpPr>
+      <p:sp>
+        <p:nvSpPr>
+          <p:cNvPr id="2" name="Title 1"/>
+          <p:cNvSpPr>
+            <a:spLocks noGrp="1"/>
+          </p:cNvSpPr>
+          <p:nvPr>
+            <p:ph type="title"/>
+          </p:nvPr>
+        </p:nvSpPr>
+        <p:spPr/>
+        <p:txBody>
+          <a:bodyPr/>
+          <a:lstStyle/>
+          <a:p>
+            <a:r>
+              <a:rPr lang="fr-CH" dirty="0" err="1" smtClean="0"/>
+              <a:t>References</a:t>
+            </a:r>
+            <a:endParaRPr lang="en-US" dirty="0"/>
+          </a:p>
+        </p:txBody>
+      </p:sp>
+      <p:sp>
+        <p:nvSpPr>
+          <p:cNvPr id="3" name="Content Placeholder 2"/>
+          <p:cNvSpPr>
+            <a:spLocks noGrp="1"/>
+          </p:cNvSpPr>
+          <p:nvPr>
+            <p:ph idx="1"/>
+          </p:nvPr>
+        </p:nvSpPr>
+        <p:spPr/>
+        <p:txBody>
+          <a:bodyPr/>
+          <a:lstStyle/>
+          <a:p>
+            <a:pPr marL="0" indent="0">
+              <a:buNone/>
+            </a:pPr>
+            <a:r>
+              <a:rPr lang="fr-CH" dirty="0" smtClean="0"/>
+              <a:t>MSDN</a:t>
+            </a:r>
+          </a:p>
+          <a:p>
+            <a:r>
+              <a:rPr lang="en-US" sz="2000" dirty="0">
+                <a:hlinkClick r:id="rId2"/>
+              </a:rPr>
+              <a:t>https://</a:t>
+            </a:r>
+            <a:r>
+              <a:rPr lang="en-US" sz="2000" dirty="0" smtClean="0">
+                <a:hlinkClick r:id="rId2"/>
+              </a:rPr>
+              <a:t>developer.microsoft.com/en-us/windows/develop</a:t>
+            </a:r>
+            <a:endParaRPr lang="en-US" sz="2000" dirty="0" smtClean="0"/>
+          </a:p>
+          <a:p>
+            <a:r>
+              <a:rPr lang="en-US" sz="2000" dirty="0">
+                <a:hlinkClick r:id="rId3"/>
+              </a:rPr>
+              <a:t>https://</a:t>
+            </a:r>
+            <a:r>
+              <a:rPr lang="en-US" sz="2000" dirty="0" smtClean="0">
+                <a:hlinkClick r:id="rId3"/>
+              </a:rPr>
+              <a:t>github.com/Microsoft/Windows-universal-samples/tree/master/Samples/MapControl</a:t>
+            </a:r>
+            <a:endParaRPr lang="en-US" sz="2000" dirty="0" smtClean="0"/>
+          </a:p>
+          <a:p>
+            <a:r>
+              <a:rPr lang="en-US" sz="2000" dirty="0">
+                <a:hlinkClick r:id="rId4"/>
+              </a:rPr>
+              <a:t>https://</a:t>
+            </a:r>
+            <a:r>
+              <a:rPr lang="en-US" sz="2000" dirty="0" smtClean="0">
+                <a:hlinkClick r:id="rId4"/>
+              </a:rPr>
+              <a:t>github.com/Microsoft/Windows-universal-samples/tree/master/Samples/AppServices</a:t>
+            </a:r>
+            <a:endParaRPr lang="en-US" sz="2000" dirty="0" smtClean="0"/>
+          </a:p>
+          <a:p>
+            <a:r>
+              <a:rPr lang="en-US" sz="2000" dirty="0">
+                <a:hlinkClick r:id="rId5"/>
+              </a:rPr>
+              <a:t>https://</a:t>
+            </a:r>
+            <a:r>
+              <a:rPr lang="en-US" sz="2000" dirty="0" smtClean="0">
+                <a:hlinkClick r:id="rId5"/>
+              </a:rPr>
+              <a:t>msdn.microsoft.com/en-us/data/ee712907</a:t>
+            </a:r>
+            <a:endParaRPr lang="en-US" sz="2000" dirty="0" smtClean="0"/>
+          </a:p>
+          <a:p>
+            <a:pPr marL="0" indent="0">
+              <a:buNone/>
+            </a:pPr>
+            <a:r>
+              <a:rPr lang="fr-CH" sz="2000" smtClean="0"/>
+              <a:t>Other</a:t>
+            </a:r>
+            <a:endParaRPr lang="fr-CH" sz="2000"/>
+          </a:p>
+          <a:p>
+            <a:pPr marL="0" indent="0">
+              <a:buNone/>
+            </a:pPr>
+            <a:r>
+              <a:rPr lang="en-US" sz="2000" dirty="0" smtClean="0">
+                <a:hlinkClick r:id="rId6"/>
+              </a:rPr>
+              <a:t>http</a:t>
+            </a:r>
+            <a:r>
+              <a:rPr lang="en-US" sz="2000" dirty="0">
+                <a:hlinkClick r:id="rId6"/>
+              </a:rPr>
+              <a:t>://</a:t>
+            </a:r>
+            <a:r>
+              <a:rPr lang="en-US" sz="2000" dirty="0" smtClean="0">
+                <a:hlinkClick r:id="rId6"/>
+              </a:rPr>
+              <a:t>ef.readthedocs.io/en/latest/platforms/uwp/getting-started.html</a:t>
+            </a:r>
+            <a:endParaRPr lang="en-US" sz="2000" dirty="0" smtClean="0"/>
+          </a:p>
+        </p:txBody>
+      </p:sp>
+    </p:spTree>
+    <p:extLst>
+      <p:ext uri="{BB962C8B-B14F-4D97-AF65-F5344CB8AC3E}">
+        <p14:creationId xmlns:p14="http://schemas.microsoft.com/office/powerpoint/2010/main" val="3063386104"/>
+      </p:ext>
+    </p:extLst>
+  </p:cSld>
+  <p:clrMapOvr>
+    <a:masterClrMapping/>
+  </p:clrMapOvr>
+</p:sld>
+</file>
+
 <file path=ppt/slides/slide2.xml><?xml version="1.0" encoding="utf-8"?>
 <p:sld xmlns:a="http://schemas.openxmlformats.org/drawingml/2006/main" xmlns:r="http://schemas.openxmlformats.org/officeDocument/2006/relationships" xmlns:p="http://schemas.openxmlformats.org/presentationml/2006/main">
   <p:cSld>
@@ -4185,11 +4353,7 @@
             </a:r>
             <a:r>
               <a:rPr lang="fr-CH" dirty="0" smtClean="0"/>
-              <a:t> </a:t>
-            </a:r>
-            <a:r>
-              <a:rPr lang="fr-CH" dirty="0" smtClean="0"/>
-              <a:t>Olivier</a:t>
+              <a:t> Olivier</a:t>
             </a:r>
           </a:p>
           <a:p>
@@ -4202,11 +4366,7 @@
             <a:pPr lvl="1"/>
             <a:r>
               <a:rPr lang="fr-CH" dirty="0" smtClean="0"/>
-              <a:t>Réalisation d’une application </a:t>
-            </a:r>
-            <a:r>
-              <a:rPr lang="fr-CH" dirty="0" smtClean="0"/>
-              <a:t>.Net</a:t>
+              <a:t>Réalisation d’une application .Net</a:t>
             </a:r>
             <a:endParaRPr lang="fr-FR" dirty="0"/>
           </a:p>
@@ -4406,7 +4566,6 @@
                         <a:rPr lang="fr-CH" dirty="0" smtClean="0"/>
                         <a:t>Application Mobile</a:t>
                       </a:r>
-                      <a:endParaRPr lang="fr-CH" dirty="0" smtClean="0"/>
                     </a:p>
                     <a:p>
                       <a:pPr marL="285750" indent="-285750" algn="l">
@@ -4612,17 +4771,8 @@
             </a:pPr>
             <a:r>
               <a:rPr lang="fr-FR" dirty="0" smtClean="0"/>
-              <a:t>Deux </a:t>
-            </a:r>
-            <a:r>
-              <a:rPr lang="fr-FR" dirty="0" smtClean="0"/>
-              <a:t>applications </a:t>
-            </a:r>
-            <a:r>
-              <a:rPr lang="fr-FR" dirty="0" smtClean="0"/>
-              <a:t>universelles EBTL</a:t>
-            </a:r>
-            <a:endParaRPr lang="fr-FR" dirty="0" smtClean="0"/>
+              <a:t>Deux applications universelles EBTL</a:t>
+            </a:r>
           </a:p>
           <a:p>
             <a:pPr marL="411480" lvl="1" indent="0">
@@ -4909,13 +5059,8 @@
           <a:p>
             <a:r>
               <a:rPr lang="fr-FR" dirty="0" smtClean="0"/>
-              <a:t>L’application permettra aux volontaires de </a:t>
-            </a:r>
-            <a:r>
-              <a:rPr lang="fr-FR" dirty="0" smtClean="0"/>
-              <a:t>s’enregistrer:</a:t>
-            </a:r>
-            <a:endParaRPr lang="fr-FR" dirty="0" smtClean="0"/>
+              <a:t>L’application permettra aux volontaires de s’enregistrer:</a:t>
+            </a:r>
           </a:p>
           <a:p>
             <a:pPr lvl="2"/>
@@ -4963,29 +5108,15 @@
           <a:p>
             <a:r>
               <a:rPr lang="fr-FR" dirty="0" smtClean="0"/>
-              <a:t>Le service de la géolocalisation </a:t>
-            </a:r>
+              <a:t>Le service de la géolocalisation envoi les données:</a:t>
+            </a:r>
+          </a:p>
+          <a:p>
+            <a:pPr lvl="2"/>
             <a:r>
               <a:rPr lang="fr-FR" dirty="0" smtClean="0"/>
-              <a:t>envoi les données:</a:t>
-            </a:r>
-            <a:endParaRPr lang="fr-FR" dirty="0" smtClean="0"/>
-          </a:p>
-          <a:p>
-            <a:pPr lvl="2"/>
-            <a:r>
-              <a:rPr lang="fr-FR" dirty="0" smtClean="0"/>
-              <a:t>A </a:t>
-            </a:r>
-            <a:r>
-              <a:rPr lang="fr-FR" dirty="0" smtClean="0"/>
-              <a:t>des intervalles </a:t>
-            </a:r>
-            <a:r>
-              <a:rPr lang="fr-FR" dirty="0" smtClean="0"/>
-              <a:t>spécifiés</a:t>
-            </a:r>
-            <a:endParaRPr lang="fr-FR" dirty="0" smtClean="0"/>
+              <a:t>A des intervalles spécifiés</a:t>
+            </a:r>
           </a:p>
           <a:p>
             <a:pPr lvl="2"/>
@@ -5130,13 +5261,8 @@
           <a:p>
             <a:r>
               <a:rPr lang="fr-FR" dirty="0" smtClean="0"/>
-              <a:t>Afficher les </a:t>
-            </a:r>
-            <a:r>
-              <a:rPr lang="fr-FR" dirty="0" smtClean="0"/>
-              <a:t>volontaires</a:t>
-            </a:r>
-            <a:endParaRPr lang="fr-FR" dirty="0" smtClean="0"/>
+              <a:t>Afficher les volontaires</a:t>
+            </a:r>
           </a:p>
           <a:p>
             <a:r>
@@ -5161,23 +5287,14 @@
             <a:pPr lvl="1"/>
             <a:r>
               <a:rPr lang="fr-FR" dirty="0" smtClean="0"/>
-              <a:t>Choisir le groupe sanguin </a:t>
-            </a:r>
+              <a:t>Choisir le groupe sanguin recherché</a:t>
+            </a:r>
+          </a:p>
+          <a:p>
+            <a:pPr lvl="1"/>
             <a:r>
               <a:rPr lang="fr-FR" dirty="0" smtClean="0"/>
-              <a:t>recherché</a:t>
-            </a:r>
-            <a:endParaRPr lang="fr-FR" dirty="0" smtClean="0"/>
-          </a:p>
-          <a:p>
-            <a:pPr lvl="1"/>
-            <a:r>
-              <a:rPr lang="fr-FR" dirty="0" smtClean="0"/>
-              <a:t>Notifier les utilisateurs les plus </a:t>
-            </a:r>
-            <a:r>
-              <a:rPr lang="fr-FR" dirty="0" smtClean="0"/>
-              <a:t>proches</a:t>
+              <a:t>Notifier les utilisateurs les plus proches</a:t>
             </a:r>
             <a:endParaRPr lang="fr-FR" dirty="0"/>
           </a:p>
